--- a/window.pptx
+++ b/window.pptx
@@ -204,7 +204,7 @@
           <a:p>
             <a:fld id="{F01ED06C-E683-446A-A00C-3EF06BC7A93E}" type="datetimeFigureOut">
               <a:rPr kumimoji="1" lang="ja-JP" altLang="en-US" smtClean="0"/>
-              <a:t>2016/6/24</a:t>
+              <a:t>2016/6/27</a:t>
             </a:fld>
             <a:endParaRPr kumimoji="1" lang="ja-JP" altLang="en-US"/>
           </a:p>
@@ -769,7 +769,7 @@
           <a:p>
             <a:fld id="{E90ED720-0104-4369-84BC-D37694168613}" type="datetimeFigureOut">
               <a:rPr kumimoji="1" lang="ja-JP" altLang="en-US" smtClean="0"/>
-              <a:t>2016/6/24</a:t>
+              <a:t>2016/6/27</a:t>
             </a:fld>
             <a:endParaRPr kumimoji="1" lang="ja-JP" altLang="en-US"/>
           </a:p>
@@ -966,7 +966,7 @@
           <a:p>
             <a:fld id="{E90ED720-0104-4369-84BC-D37694168613}" type="datetimeFigureOut">
               <a:rPr kumimoji="1" lang="ja-JP" altLang="en-US" smtClean="0"/>
-              <a:t>2016/6/24</a:t>
+              <a:t>2016/6/27</a:t>
             </a:fld>
             <a:endParaRPr kumimoji="1" lang="ja-JP" altLang="en-US"/>
           </a:p>
@@ -1173,7 +1173,7 @@
           <a:p>
             <a:fld id="{E90ED720-0104-4369-84BC-D37694168613}" type="datetimeFigureOut">
               <a:rPr kumimoji="1" lang="ja-JP" altLang="en-US" smtClean="0"/>
-              <a:t>2016/6/24</a:t>
+              <a:t>2016/6/27</a:t>
             </a:fld>
             <a:endParaRPr kumimoji="1" lang="ja-JP" altLang="en-US"/>
           </a:p>
@@ -1370,7 +1370,7 @@
           <a:p>
             <a:fld id="{E90ED720-0104-4369-84BC-D37694168613}" type="datetimeFigureOut">
               <a:rPr kumimoji="1" lang="ja-JP" altLang="en-US" smtClean="0"/>
-              <a:t>2016/6/24</a:t>
+              <a:t>2016/6/27</a:t>
             </a:fld>
             <a:endParaRPr kumimoji="1" lang="ja-JP" altLang="en-US"/>
           </a:p>
@@ -1611,7 +1611,7 @@
           <a:p>
             <a:fld id="{E90ED720-0104-4369-84BC-D37694168613}" type="datetimeFigureOut">
               <a:rPr kumimoji="1" lang="ja-JP" altLang="en-US" smtClean="0"/>
-              <a:t>2016/6/24</a:t>
+              <a:t>2016/6/27</a:t>
             </a:fld>
             <a:endParaRPr kumimoji="1" lang="ja-JP" altLang="en-US"/>
           </a:p>
@@ -1958,7 +1958,7 @@
           <a:p>
             <a:fld id="{E90ED720-0104-4369-84BC-D37694168613}" type="datetimeFigureOut">
               <a:rPr kumimoji="1" lang="ja-JP" altLang="en-US" smtClean="0"/>
-              <a:t>2016/6/24</a:t>
+              <a:t>2016/6/27</a:t>
             </a:fld>
             <a:endParaRPr kumimoji="1" lang="ja-JP" altLang="en-US"/>
           </a:p>
@@ -2439,7 +2439,7 @@
           <a:p>
             <a:fld id="{E90ED720-0104-4369-84BC-D37694168613}" type="datetimeFigureOut">
               <a:rPr kumimoji="1" lang="ja-JP" altLang="en-US" smtClean="0"/>
-              <a:t>2016/6/24</a:t>
+              <a:t>2016/6/27</a:t>
             </a:fld>
             <a:endParaRPr kumimoji="1" lang="ja-JP" altLang="en-US"/>
           </a:p>
@@ -2552,7 +2552,7 @@
           <a:p>
             <a:fld id="{E90ED720-0104-4369-84BC-D37694168613}" type="datetimeFigureOut">
               <a:rPr kumimoji="1" lang="ja-JP" altLang="en-US" smtClean="0"/>
-              <a:t>2016/6/24</a:t>
+              <a:t>2016/6/27</a:t>
             </a:fld>
             <a:endParaRPr kumimoji="1" lang="ja-JP" altLang="en-US"/>
           </a:p>
@@ -2642,7 +2642,7 @@
           <a:p>
             <a:fld id="{E90ED720-0104-4369-84BC-D37694168613}" type="datetimeFigureOut">
               <a:rPr kumimoji="1" lang="ja-JP" altLang="en-US" smtClean="0"/>
-              <a:t>2016/6/24</a:t>
+              <a:t>2016/6/27</a:t>
             </a:fld>
             <a:endParaRPr kumimoji="1" lang="ja-JP" altLang="en-US"/>
           </a:p>
@@ -2946,7 +2946,7 @@
           <a:p>
             <a:fld id="{E90ED720-0104-4369-84BC-D37694168613}" type="datetimeFigureOut">
               <a:rPr kumimoji="1" lang="ja-JP" altLang="en-US" smtClean="0"/>
-              <a:t>2016/6/24</a:t>
+              <a:t>2016/6/27</a:t>
             </a:fld>
             <a:endParaRPr kumimoji="1" lang="ja-JP" altLang="en-US"/>
           </a:p>
@@ -3194,7 +3194,7 @@
           <a:p>
             <a:fld id="{E90ED720-0104-4369-84BC-D37694168613}" type="datetimeFigureOut">
               <a:rPr kumimoji="1" lang="ja-JP" altLang="en-US" smtClean="0"/>
-              <a:t>2016/6/24</a:t>
+              <a:t>2016/6/27</a:t>
             </a:fld>
             <a:endParaRPr kumimoji="1" lang="ja-JP" altLang="en-US"/>
           </a:p>
@@ -3434,7 +3434,7 @@
           <a:p>
             <a:fld id="{E90ED720-0104-4369-84BC-D37694168613}" type="datetimeFigureOut">
               <a:rPr kumimoji="1" lang="ja-JP" altLang="en-US" smtClean="0"/>
-              <a:t>2016/6/24</a:t>
+              <a:t>2016/6/27</a:t>
             </a:fld>
             <a:endParaRPr kumimoji="1" lang="ja-JP" altLang="en-US"/>
           </a:p>
@@ -17313,7 +17313,7 @@
         </p:nvSpPr>
         <p:spPr>
           <a:xfrm>
-            <a:off x="1331640" y="2899262"/>
+            <a:off x="1331640" y="2914502"/>
             <a:ext cx="1726232" cy="729372"/>
           </a:xfrm>
           <a:prstGeom prst="roundRect">
@@ -19629,7 +19629,7 @@
         </p:nvSpPr>
         <p:spPr>
           <a:xfrm>
-            <a:off x="1331640" y="2899262"/>
+            <a:off x="1331640" y="2914502"/>
             <a:ext cx="1726232" cy="729372"/>
           </a:xfrm>
           <a:prstGeom prst="roundRect">
@@ -21972,7 +21972,7 @@
         </p:nvSpPr>
         <p:spPr>
           <a:xfrm>
-            <a:off x="1187624" y="2755246"/>
+            <a:off x="1187624" y="2827254"/>
             <a:ext cx="1944216" cy="2761986"/>
           </a:xfrm>
           <a:prstGeom prst="roundRect">
@@ -22009,14 +22009,14 @@
           <a:p>
             <a:pPr algn="ctr"/>
             <a:r>
-              <a:rPr kumimoji="1" lang="ja-JP" altLang="en-US" sz="1600" dirty="0" smtClean="0">
+              <a:rPr kumimoji="1" lang="ja-JP" altLang="en-US" sz="1200" dirty="0" smtClean="0">
                 <a:solidFill>
                   <a:schemeClr val="tx1"/>
                 </a:solidFill>
               </a:rPr>
               <a:t>経路①</a:t>
             </a:r>
-            <a:endParaRPr kumimoji="1" lang="en-US" altLang="ja-JP" sz="1600" dirty="0" smtClean="0">
+            <a:endParaRPr kumimoji="1" lang="en-US" altLang="ja-JP" sz="1200" dirty="0" smtClean="0">
               <a:solidFill>
                 <a:schemeClr val="tx1"/>
               </a:solidFill>
@@ -22025,37 +22025,246 @@
           <a:p>
             <a:pPr algn="ctr"/>
             <a:r>
-              <a:rPr lang="ja-JP" altLang="en-US" sz="1600" dirty="0" smtClean="0">
+              <a:rPr lang="ja-JP" altLang="en-US" sz="1200" dirty="0" smtClean="0">
                 <a:solidFill>
                   <a:schemeClr val="tx1"/>
                 </a:solidFill>
               </a:rPr>
-              <a:t>現在の時刻：</a:t>
-            </a:r>
-            <a:r>
-              <a:rPr lang="en-US" altLang="ja-JP" sz="1600" dirty="0" smtClean="0">
+              <a:t>現在の時刻</a:t>
+            </a:r>
+            <a:r>
+              <a:rPr lang="ja-JP" altLang="en-US" sz="1200" dirty="0" smtClean="0">
                 <a:solidFill>
                   <a:schemeClr val="tx1"/>
                 </a:solidFill>
               </a:rPr>
-              <a:t/>
-            </a:r>
-            <a:br>
-              <a:rPr lang="en-US" altLang="ja-JP" sz="1600" dirty="0" smtClean="0">
+              <a:t>：○時</a:t>
+            </a:r>
+            <a:r>
+              <a:rPr lang="ja-JP" altLang="en-US" sz="1200" dirty="0" smtClean="0">
                 <a:solidFill>
                   <a:schemeClr val="tx1"/>
                 </a:solidFill>
               </a:rPr>
-            </a:br>
-            <a:r>
-              <a:rPr lang="ja-JP" altLang="en-US" sz="1600" dirty="0" smtClean="0">
+              <a:t>○分</a:t>
+            </a:r>
+            <a:endParaRPr kumimoji="1" lang="en-US" altLang="ja-JP" sz="1200" dirty="0" smtClean="0">
+              <a:solidFill>
+                <a:schemeClr val="tx1"/>
+              </a:solidFill>
+            </a:endParaRPr>
+          </a:p>
+          <a:p>
+            <a:pPr algn="ctr"/>
+            <a:r>
+              <a:rPr lang="ja-JP" altLang="en-US" sz="1200" dirty="0" smtClean="0">
+                <a:solidFill>
+                  <a:schemeClr val="tx1"/>
+                </a:solidFill>
+              </a:rPr>
+              <a:t>徒歩　○分</a:t>
+            </a:r>
+            <a:endParaRPr lang="en-US" altLang="ja-JP" sz="1200" dirty="0" smtClean="0">
+              <a:solidFill>
+                <a:schemeClr val="tx1"/>
+              </a:solidFill>
+            </a:endParaRPr>
+          </a:p>
+          <a:p>
+            <a:pPr algn="ctr"/>
+            <a:endParaRPr lang="en-US" altLang="ja-JP" sz="1200" dirty="0" smtClean="0">
+              <a:solidFill>
+                <a:schemeClr val="tx1"/>
+              </a:solidFill>
+            </a:endParaRPr>
+          </a:p>
+          <a:p>
+            <a:pPr algn="ctr"/>
+            <a:r>
+              <a:rPr lang="ja-JP" altLang="en-US" sz="1200" dirty="0" smtClean="0">
+                <a:solidFill>
+                  <a:schemeClr val="tx1"/>
+                </a:solidFill>
+              </a:rPr>
+              <a:t>電車</a:t>
+            </a:r>
+            <a:endParaRPr kumimoji="1" lang="en-US" altLang="ja-JP" sz="1200" dirty="0">
+              <a:solidFill>
+                <a:schemeClr val="tx1"/>
+              </a:solidFill>
+            </a:endParaRPr>
+          </a:p>
+          <a:p>
+            <a:pPr algn="ctr"/>
+            <a:r>
+              <a:rPr lang="ja-JP" altLang="en-US" sz="1200" dirty="0">
+                <a:solidFill>
+                  <a:schemeClr val="tx1"/>
+                </a:solidFill>
+              </a:rPr>
+              <a:t>△時△</a:t>
+            </a:r>
+            <a:r>
+              <a:rPr lang="ja-JP" altLang="en-US" sz="1200" dirty="0" smtClean="0">
+                <a:solidFill>
+                  <a:schemeClr val="tx1"/>
+                </a:solidFill>
+              </a:rPr>
+              <a:t>分　△</a:t>
+            </a:r>
+            <a:r>
+              <a:rPr lang="ja-JP" altLang="en-US" sz="1200" dirty="0">
+                <a:solidFill>
+                  <a:schemeClr val="tx1"/>
+                </a:solidFill>
+              </a:rPr>
+              <a:t>駅乗車</a:t>
+            </a:r>
+            <a:endParaRPr lang="en-US" altLang="ja-JP" sz="1200" dirty="0" smtClean="0">
+              <a:solidFill>
+                <a:schemeClr val="tx1"/>
+              </a:solidFill>
+            </a:endParaRPr>
+          </a:p>
+          <a:p>
+            <a:pPr algn="ctr"/>
+            <a:r>
+              <a:rPr lang="ja-JP" altLang="en-US" sz="1200" dirty="0" smtClean="0">
+                <a:solidFill>
+                  <a:schemeClr val="tx1"/>
+                </a:solidFill>
+              </a:rPr>
+              <a:t>▲時▲分　▲</a:t>
+            </a:r>
+            <a:r>
+              <a:rPr lang="ja-JP" altLang="en-US" sz="1200" dirty="0" smtClean="0">
+                <a:solidFill>
+                  <a:schemeClr val="tx1"/>
+                </a:solidFill>
+              </a:rPr>
+              <a:t>駅下車</a:t>
+            </a:r>
+            <a:endParaRPr lang="en-US" altLang="ja-JP" sz="1200" dirty="0" smtClean="0">
+              <a:solidFill>
+                <a:schemeClr val="tx1"/>
+              </a:solidFill>
+            </a:endParaRPr>
+          </a:p>
+          <a:p>
+            <a:pPr algn="ctr"/>
+            <a:r>
+              <a:rPr lang="ja-JP" altLang="en-US" sz="1200" dirty="0" smtClean="0">
+                <a:solidFill>
+                  <a:schemeClr val="tx1"/>
+                </a:solidFill>
+              </a:rPr>
+              <a:t>所要時間○分</a:t>
+            </a:r>
+            <a:endParaRPr lang="en-US" altLang="ja-JP" sz="1200" dirty="0" smtClean="0">
+              <a:solidFill>
+                <a:schemeClr val="tx1"/>
+              </a:solidFill>
+            </a:endParaRPr>
+          </a:p>
+          <a:p>
+            <a:pPr algn="ctr"/>
+            <a:r>
+              <a:rPr lang="ja-JP" altLang="en-US" sz="1200" dirty="0" smtClean="0">
+                <a:solidFill>
+                  <a:schemeClr val="tx1"/>
+                </a:solidFill>
+              </a:rPr>
+              <a:t>料金　□円</a:t>
+            </a:r>
+            <a:endParaRPr lang="en-US" altLang="ja-JP" sz="1200" dirty="0" smtClean="0">
+              <a:solidFill>
+                <a:schemeClr val="tx1"/>
+              </a:solidFill>
+            </a:endParaRPr>
+          </a:p>
+          <a:p>
+            <a:pPr algn="ctr"/>
+            <a:endParaRPr lang="en-US" altLang="ja-JP" sz="1200" dirty="0" smtClean="0">
+              <a:solidFill>
+                <a:schemeClr val="tx1"/>
+              </a:solidFill>
+            </a:endParaRPr>
+          </a:p>
+          <a:p>
+            <a:pPr algn="ctr"/>
+            <a:r>
+              <a:rPr lang="ja-JP" altLang="en-US" sz="1200" dirty="0">
+                <a:solidFill>
+                  <a:schemeClr val="tx1"/>
+                </a:solidFill>
+              </a:rPr>
+              <a:t>徒歩　</a:t>
+            </a:r>
+            <a:r>
+              <a:rPr lang="ja-JP" altLang="en-US" sz="1200" dirty="0">
+                <a:solidFill>
+                  <a:schemeClr val="tx1"/>
+                </a:solidFill>
+              </a:rPr>
+              <a:t>○</a:t>
+            </a:r>
+            <a:r>
+              <a:rPr lang="ja-JP" altLang="en-US" sz="1200" dirty="0" smtClean="0">
+                <a:solidFill>
+                  <a:schemeClr val="tx1"/>
+                </a:solidFill>
+              </a:rPr>
+              <a:t>分</a:t>
+            </a:r>
+            <a:endParaRPr lang="en-US" altLang="ja-JP" sz="1200" dirty="0">
+              <a:solidFill>
+                <a:schemeClr val="tx1"/>
+              </a:solidFill>
+            </a:endParaRPr>
+          </a:p>
+          <a:p>
+            <a:pPr algn="ctr"/>
+            <a:endParaRPr lang="en-US" altLang="ja-JP" sz="1200" dirty="0" smtClean="0">
+              <a:solidFill>
+                <a:schemeClr val="tx1"/>
+              </a:solidFill>
+            </a:endParaRPr>
+          </a:p>
+          <a:p>
+            <a:pPr algn="ctr"/>
+            <a:r>
+              <a:rPr lang="ja-JP" altLang="en-US" sz="1200" dirty="0">
+                <a:solidFill>
+                  <a:schemeClr val="tx1"/>
+                </a:solidFill>
+              </a:rPr>
+              <a:t>到着予定</a:t>
+            </a:r>
+            <a:r>
+              <a:rPr lang="ja-JP" altLang="en-US" sz="1200" dirty="0" smtClean="0">
+                <a:solidFill>
+                  <a:schemeClr val="tx1"/>
+                </a:solidFill>
+              </a:rPr>
+              <a:t>時刻</a:t>
+            </a:r>
+            <a:r>
+              <a:rPr lang="en-US" altLang="ja-JP" sz="1200" dirty="0" smtClean="0">
+                <a:solidFill>
+                  <a:schemeClr val="tx1"/>
+                </a:solidFill>
+              </a:rPr>
+              <a:t>:</a:t>
+            </a:r>
+            <a:r>
+              <a:rPr lang="ja-JP" altLang="en-US" sz="1200" dirty="0" smtClean="0">
                 <a:solidFill>
                   <a:schemeClr val="tx1"/>
                 </a:solidFill>
               </a:rPr>
               <a:t>○時○分</a:t>
             </a:r>
-            <a:endParaRPr kumimoji="1" lang="en-US" altLang="ja-JP" sz="1600" dirty="0" smtClean="0">
+            <a:endParaRPr lang="en-US" altLang="ja-JP" sz="1200" dirty="0" smtClean="0">
               <a:solidFill>
                 <a:schemeClr val="tx1"/>
               </a:solidFill>
@@ -22064,157 +22273,30 @@
           <a:p>
             <a:pPr algn="ctr"/>
             <a:r>
-              <a:rPr lang="ja-JP" altLang="en-US" sz="1600" dirty="0" smtClean="0">
+              <a:rPr lang="ja-JP" altLang="en-US" sz="1200" dirty="0" smtClean="0">
                 <a:solidFill>
                   <a:schemeClr val="tx1"/>
                 </a:solidFill>
               </a:rPr>
-              <a:t>徒歩　○分</a:t>
-            </a:r>
-            <a:endParaRPr lang="en-US" altLang="ja-JP" sz="1600" dirty="0" smtClean="0">
-              <a:solidFill>
-                <a:schemeClr val="tx1"/>
-              </a:solidFill>
-            </a:endParaRPr>
-          </a:p>
-          <a:p>
-            <a:pPr algn="ctr"/>
-            <a:endParaRPr kumimoji="1" lang="en-US" altLang="ja-JP" sz="1600" dirty="0">
-              <a:solidFill>
-                <a:schemeClr val="tx1"/>
-              </a:solidFill>
-            </a:endParaRPr>
-          </a:p>
-          <a:p>
-            <a:pPr algn="ctr"/>
-            <a:r>
-              <a:rPr lang="ja-JP" altLang="en-US" sz="1600" dirty="0" smtClean="0">
-                <a:solidFill>
-                  <a:schemeClr val="tx1"/>
-                </a:solidFill>
-              </a:rPr>
-              <a:t>電車 </a:t>
-            </a:r>
-            <a:r>
-              <a:rPr lang="en-US" altLang="ja-JP" sz="1600" dirty="0" smtClean="0">
-                <a:solidFill>
-                  <a:schemeClr val="tx1"/>
-                </a:solidFill>
-              </a:rPr>
-              <a:t>×</a:t>
-            </a:r>
-            <a:r>
-              <a:rPr lang="ja-JP" altLang="en-US" sz="1600" dirty="0" smtClean="0">
-                <a:solidFill>
-                  <a:schemeClr val="tx1"/>
-                </a:solidFill>
-              </a:rPr>
-              <a:t>駅</a:t>
-            </a:r>
-            <a:r>
-              <a:rPr lang="en-US" altLang="ja-JP" sz="1600" dirty="0" smtClean="0">
-                <a:solidFill>
-                  <a:schemeClr val="tx1"/>
-                </a:solidFill>
-              </a:rPr>
-              <a:t>~</a:t>
-            </a:r>
-            <a:r>
-              <a:rPr lang="ja-JP" altLang="en-US" sz="1600" dirty="0" smtClean="0">
-                <a:solidFill>
-                  <a:schemeClr val="tx1"/>
-                </a:solidFill>
-              </a:rPr>
-              <a:t>△駅</a:t>
-            </a:r>
-            <a:endParaRPr lang="en-US" altLang="ja-JP" sz="1600" dirty="0" smtClean="0">
-              <a:solidFill>
-                <a:schemeClr val="tx1"/>
-              </a:solidFill>
-            </a:endParaRPr>
-          </a:p>
-          <a:p>
-            <a:pPr algn="ctr"/>
-            <a:endParaRPr lang="en-US" altLang="ja-JP" sz="1600" dirty="0" smtClean="0">
-              <a:solidFill>
-                <a:schemeClr val="tx1"/>
-              </a:solidFill>
-            </a:endParaRPr>
-          </a:p>
-          <a:p>
-            <a:pPr algn="ctr"/>
-            <a:r>
-              <a:rPr lang="ja-JP" altLang="en-US" sz="1600" dirty="0">
-                <a:solidFill>
-                  <a:schemeClr val="tx1"/>
-                </a:solidFill>
-              </a:rPr>
-              <a:t>徒歩　</a:t>
-            </a:r>
-            <a:r>
-              <a:rPr lang="ja-JP" altLang="en-US" sz="1600" dirty="0" smtClean="0">
-                <a:solidFill>
-                  <a:schemeClr val="tx1"/>
-                </a:solidFill>
-              </a:rPr>
-              <a:t>□分</a:t>
-            </a:r>
-            <a:endParaRPr lang="en-US" altLang="ja-JP" sz="1600" dirty="0">
-              <a:solidFill>
-                <a:schemeClr val="tx1"/>
-              </a:solidFill>
-            </a:endParaRPr>
-          </a:p>
-          <a:p>
-            <a:pPr algn="ctr"/>
-            <a:endParaRPr lang="en-US" altLang="ja-JP" sz="1600" dirty="0" smtClean="0">
-              <a:solidFill>
-                <a:schemeClr val="tx1"/>
-              </a:solidFill>
-            </a:endParaRPr>
-          </a:p>
-          <a:p>
-            <a:pPr algn="ctr"/>
-            <a:r>
-              <a:rPr lang="ja-JP" altLang="en-US" sz="1600" dirty="0">
-                <a:solidFill>
-                  <a:schemeClr val="tx1"/>
-                </a:solidFill>
-              </a:rPr>
-              <a:t>到着予定</a:t>
-            </a:r>
-            <a:r>
-              <a:rPr lang="ja-JP" altLang="en-US" sz="1600" dirty="0" smtClean="0">
-                <a:solidFill>
-                  <a:schemeClr val="tx1"/>
-                </a:solidFill>
-              </a:rPr>
-              <a:t>時刻</a:t>
-            </a:r>
-            <a:r>
-              <a:rPr lang="en-US" altLang="ja-JP" sz="1600" dirty="0" smtClean="0">
+              <a:t>所要時間</a:t>
+            </a:r>
+            <a:r>
+              <a:rPr lang="en-US" altLang="ja-JP" sz="1200" dirty="0" smtClean="0">
                 <a:solidFill>
                   <a:schemeClr val="tx1"/>
                 </a:solidFill>
               </a:rPr>
               <a:t>:</a:t>
             </a:r>
-            <a:br>
-              <a:rPr lang="en-US" altLang="ja-JP" sz="1600" dirty="0" smtClean="0">
+            <a:r>
+              <a:rPr lang="ja-JP" altLang="en-US" sz="1200" dirty="0" smtClean="0">
                 <a:solidFill>
                   <a:schemeClr val="tx1"/>
                 </a:solidFill>
               </a:rPr>
-            </a:br>
-            <a:r>
-              <a:rPr lang="ja-JP" altLang="en-US" sz="1600" dirty="0" smtClean="0">
-                <a:solidFill>
-                  <a:schemeClr val="tx1"/>
-                </a:solidFill>
-              </a:rPr>
-              <a:t>○時○分</a:t>
-            </a:r>
-            <a:endParaRPr lang="en-US" altLang="ja-JP" sz="1600" dirty="0" smtClean="0">
+              <a:t>○分</a:t>
+            </a:r>
+            <a:endParaRPr lang="en-US" altLang="ja-JP" sz="1200" dirty="0" smtClean="0">
               <a:solidFill>
                 <a:schemeClr val="tx1"/>
               </a:solidFill>
@@ -22270,6 +22352,66 @@
                 </a:solidFill>
               </a:rPr>
               <a:t>検索</a:t>
+            </a:r>
+            <a:endParaRPr kumimoji="1" lang="ja-JP" altLang="en-US" sz="1200" dirty="0">
+              <a:solidFill>
+                <a:schemeClr val="tx1"/>
+              </a:solidFill>
+            </a:endParaRPr>
+          </a:p>
+        </p:txBody>
+      </p:sp>
+      <p:sp>
+        <p:nvSpPr>
+          <p:cNvPr id="24" name="左矢印 23"/>
+          <p:cNvSpPr/>
+          <p:nvPr/>
+        </p:nvSpPr>
+        <p:spPr>
+          <a:xfrm>
+            <a:off x="1259632" y="2446288"/>
+            <a:ext cx="601464" cy="360040"/>
+          </a:xfrm>
+          <a:prstGeom prst="leftArrow">
+            <a:avLst>
+              <a:gd name="adj1" fmla="val 61758"/>
+              <a:gd name="adj2" fmla="val 47061"/>
+            </a:avLst>
+          </a:prstGeom>
+          <a:solidFill>
+            <a:schemeClr val="bg1">
+              <a:lumMod val="75000"/>
+            </a:schemeClr>
+          </a:solidFill>
+        </p:spPr>
+        <p:style>
+          <a:lnRef idx="2">
+            <a:schemeClr val="accent1">
+              <a:shade val="50000"/>
+            </a:schemeClr>
+          </a:lnRef>
+          <a:fillRef idx="1">
+            <a:schemeClr val="accent1"/>
+          </a:fillRef>
+          <a:effectRef idx="0">
+            <a:schemeClr val="accent1"/>
+          </a:effectRef>
+          <a:fontRef idx="minor">
+            <a:schemeClr val="lt1"/>
+          </a:fontRef>
+        </p:style>
+        <p:txBody>
+          <a:bodyPr rtlCol="0" anchor="ctr"/>
+          <a:lstStyle/>
+          <a:p>
+            <a:pPr algn="ctr"/>
+            <a:r>
+              <a:rPr lang="ja-JP" altLang="en-US" sz="1200" dirty="0">
+                <a:solidFill>
+                  <a:schemeClr val="tx1"/>
+                </a:solidFill>
+              </a:rPr>
+              <a:t>戻る</a:t>
             </a:r>
             <a:endParaRPr kumimoji="1" lang="ja-JP" altLang="en-US" sz="1200" dirty="0">
               <a:solidFill>
